--- a/機器學習-期末比賽-KNN(BallTree+Numba加速)/機器學習-桌球.pptx
+++ b/機器學習-期末比賽-KNN(BallTree+Numba加速)/機器學習-桌球.pptx
@@ -1079,13 +1079,6 @@
         </dgm:presLayoutVars>
       </dgm:prSet>
       <dgm:spPr/>
-      <dgm:t>
-        <a:bodyPr/>
-        <a:lstStyle/>
-        <a:p>
-          <a:endParaRPr lang="zh-TW" altLang="en-US"/>
-        </a:p>
-      </dgm:t>
     </dgm:pt>
     <dgm:pt modelId="{DE9CE479-E4AE-4283-AEF1-10C1535B4324}" type="pres">
       <dgm:prSet presAssocID="{40FC4FFE-8987-4A26-B7F4-8A516F18ADAE}" presName="compNode" presStyleCnt="0"/>
@@ -1105,7 +1098,7 @@
                 <a14:useLocalDpi xmlns:a14="http://schemas.microsoft.com/office/drawing/2010/main" val="0"/>
               </a:ext>
               <a:ext uri="{96DAC541-7B7A-43D3-8B79-37D633B846F1}">
-                <asvg:svgBlip xmlns="" xmlns:asvg="http://schemas.microsoft.com/office/drawing/2016/SVG/main" r:embed="rId2"/>
+                <asvg:svgBlip xmlns:asvg="http://schemas.microsoft.com/office/drawing/2016/SVG/main" r:embed="rId2"/>
               </a:ext>
             </a:extLst>
           </a:blip>
@@ -1133,13 +1126,6 @@
         </dgm:presLayoutVars>
       </dgm:prSet>
       <dgm:spPr/>
-      <dgm:t>
-        <a:bodyPr/>
-        <a:lstStyle/>
-        <a:p>
-          <a:endParaRPr lang="zh-TW" altLang="en-US"/>
-        </a:p>
-      </dgm:t>
     </dgm:pt>
     <dgm:pt modelId="{FD1EED9C-83D3-41AD-A09B-D3B36354168F}" type="pres">
       <dgm:prSet presAssocID="{5B62599A-5C9B-48E7-896E-EA782AC60C8B}" presName="sibTrans" presStyleCnt="0"/>
@@ -1163,7 +1149,7 @@
                 <a14:useLocalDpi xmlns:a14="http://schemas.microsoft.com/office/drawing/2010/main" val="0"/>
               </a:ext>
               <a:ext uri="{96DAC541-7B7A-43D3-8B79-37D633B846F1}">
-                <asvg:svgBlip xmlns="" xmlns:asvg="http://schemas.microsoft.com/office/drawing/2016/SVG/main" r:embed="rId4"/>
+                <asvg:svgBlip xmlns:asvg="http://schemas.microsoft.com/office/drawing/2016/SVG/main" r:embed="rId4"/>
               </a:ext>
             </a:extLst>
           </a:blip>
@@ -1191,13 +1177,6 @@
         </dgm:presLayoutVars>
       </dgm:prSet>
       <dgm:spPr/>
-      <dgm:t>
-        <a:bodyPr/>
-        <a:lstStyle/>
-        <a:p>
-          <a:endParaRPr lang="zh-TW" altLang="en-US"/>
-        </a:p>
-      </dgm:t>
     </dgm:pt>
     <dgm:pt modelId="{5A266296-0042-402F-92EF-D59AB148E92E}" type="pres">
       <dgm:prSet presAssocID="{9646853A-8964-4519-A5B1-0B7D18B2983D}" presName="sibTrans" presStyleCnt="0"/>
@@ -1221,7 +1200,7 @@
                 <a14:useLocalDpi xmlns:a14="http://schemas.microsoft.com/office/drawing/2010/main" val="0"/>
               </a:ext>
               <a:ext uri="{96DAC541-7B7A-43D3-8B79-37D633B846F1}">
-                <asvg:svgBlip xmlns="" xmlns:asvg="http://schemas.microsoft.com/office/drawing/2016/SVG/main" r:embed="rId6"/>
+                <asvg:svgBlip xmlns:asvg="http://schemas.microsoft.com/office/drawing/2016/SVG/main" r:embed="rId6"/>
               </a:ext>
             </a:extLst>
           </a:blip>
@@ -1249,22 +1228,15 @@
         </dgm:presLayoutVars>
       </dgm:prSet>
       <dgm:spPr/>
-      <dgm:t>
-        <a:bodyPr/>
-        <a:lstStyle/>
-        <a:p>
-          <a:endParaRPr lang="zh-TW" altLang="en-US"/>
-        </a:p>
-      </dgm:t>
     </dgm:pt>
   </dgm:ptLst>
   <dgm:cxnLst>
+    <dgm:cxn modelId="{A9154303-8225-4248-91DC-1B0156A35F07}" srcId="{01A66772-F185-4D58-B8BB-E9370D7A7A2B}" destId="{49225C73-1633-42F1-AB3B-7CB183E5F8B8}" srcOrd="1" destOrd="0" parTransId="{1A0E2090-1D4F-438A-8766-B6030CE01ADD}" sibTransId="{9646853A-8964-4519-A5B1-0B7D18B2983D}"/>
+    <dgm:cxn modelId="{7A710F69-5154-4855-ACF5-BC7C1BF85A80}" type="presOf" srcId="{49225C73-1633-42F1-AB3B-7CB183E5F8B8}" destId="{7E6FE37A-5DB0-4899-9FCB-0CE39BC185F8}" srcOrd="0" destOrd="0" presId="urn:microsoft.com/office/officeart/2018/5/layout/IconCircleLabelList"/>
+    <dgm:cxn modelId="{C7AD8469-3C68-4AF9-AB82-79B0043AA120}" srcId="{01A66772-F185-4D58-B8BB-E9370D7A7A2B}" destId="{40FC4FFE-8987-4A26-B7F4-8A516F18ADAE}" srcOrd="0" destOrd="0" parTransId="{CAD7EF86-FB23-41F6-BF42-040B36DEFDB1}" sibTransId="{5B62599A-5C9B-48E7-896E-EA782AC60C8B}"/>
     <dgm:cxn modelId="{676D3A6A-6EA7-4483-BB12-0BD4A7D7AF9D}" type="presOf" srcId="{01A66772-F185-4D58-B8BB-E9370D7A7A2B}" destId="{50B3CE7C-E10B-4E23-BD93-03664997C932}" srcOrd="0" destOrd="0" presId="urn:microsoft.com/office/officeart/2018/5/layout/IconCircleLabelList"/>
-    <dgm:cxn modelId="{7A710F69-5154-4855-ACF5-BC7C1BF85A80}" type="presOf" srcId="{49225C73-1633-42F1-AB3B-7CB183E5F8B8}" destId="{7E6FE37A-5DB0-4899-9FCB-0CE39BC185F8}" srcOrd="0" destOrd="0" presId="urn:microsoft.com/office/officeart/2018/5/layout/IconCircleLabelList"/>
-    <dgm:cxn modelId="{A9154303-8225-4248-91DC-1B0156A35F07}" srcId="{01A66772-F185-4D58-B8BB-E9370D7A7A2B}" destId="{49225C73-1633-42F1-AB3B-7CB183E5F8B8}" srcOrd="1" destOrd="0" parTransId="{1A0E2090-1D4F-438A-8766-B6030CE01ADD}" sibTransId="{9646853A-8964-4519-A5B1-0B7D18B2983D}"/>
+    <dgm:cxn modelId="{1496FC70-DB8B-48D4-98DE-DD2856E389EE}" type="presOf" srcId="{1C383F32-22E8-4F62-A3E0-BDC3D5F48992}" destId="{1AEDC777-00B3-41D7-9AE1-23D741E941C3}" srcOrd="0" destOrd="0" presId="urn:microsoft.com/office/officeart/2018/5/layout/IconCircleLabelList"/>
     <dgm:cxn modelId="{C4CCE57E-E871-46D6-BAD5-880252C95D22}" srcId="{01A66772-F185-4D58-B8BB-E9370D7A7A2B}" destId="{1C383F32-22E8-4F62-A3E0-BDC3D5F48992}" srcOrd="2" destOrd="0" parTransId="{A7920A2F-3244-4159-AF04-6A1D38B7B317}" sibTransId="{8500F72A-2C6D-4FDF-9C1D-CA691380EB0B}"/>
-    <dgm:cxn modelId="{1496FC70-DB8B-48D4-98DE-DD2856E389EE}" type="presOf" srcId="{1C383F32-22E8-4F62-A3E0-BDC3D5F48992}" destId="{1AEDC777-00B3-41D7-9AE1-23D741E941C3}" srcOrd="0" destOrd="0" presId="urn:microsoft.com/office/officeart/2018/5/layout/IconCircleLabelList"/>
-    <dgm:cxn modelId="{C7AD8469-3C68-4AF9-AB82-79B0043AA120}" srcId="{01A66772-F185-4D58-B8BB-E9370D7A7A2B}" destId="{40FC4FFE-8987-4A26-B7F4-8A516F18ADAE}" srcOrd="0" destOrd="0" parTransId="{CAD7EF86-FB23-41F6-BF42-040B36DEFDB1}" sibTransId="{5B62599A-5C9B-48E7-896E-EA782AC60C8B}"/>
     <dgm:cxn modelId="{355227E3-55E0-4343-BC8D-FC0EB1694F48}" type="presOf" srcId="{40FC4FFE-8987-4A26-B7F4-8A516F18ADAE}" destId="{127117FB-F8A7-4A20-A8A7-EC686DDC76D0}" srcOrd="0" destOrd="0" presId="urn:microsoft.com/office/officeart/2018/5/layout/IconCircleLabelList"/>
     <dgm:cxn modelId="{555498CB-3ED1-404E-A25F-EB243EFC5FB1}" type="presParOf" srcId="{50B3CE7C-E10B-4E23-BD93-03664997C932}" destId="{DE9CE479-E4AE-4283-AEF1-10C1535B4324}" srcOrd="0" destOrd="0" presId="urn:microsoft.com/office/officeart/2018/5/layout/IconCircleLabelList"/>
     <dgm:cxn modelId="{11F12D49-CD08-4D50-BD13-3ECBC3A476A4}" type="presParOf" srcId="{DE9CE479-E4AE-4283-AEF1-10C1535B4324}" destId="{B59FCF02-CAD2-4D6F-9542-AD86711168CA}" srcOrd="0" destOrd="0" presId="urn:microsoft.com/office/officeart/2018/5/layout/IconCircleLabelList"/>
@@ -1361,7 +1333,7 @@
                 <a14:useLocalDpi xmlns:a14="http://schemas.microsoft.com/office/drawing/2010/main" val="0"/>
               </a:ext>
               <a:ext uri="{96DAC541-7B7A-43D3-8B79-37D633B846F1}">
-                <asvg:svgBlip xmlns="" xmlns:asvg="http://schemas.microsoft.com/office/drawing/2016/SVG/main" r:embed="rId2"/>
+                <asvg:svgBlip xmlns:asvg="http://schemas.microsoft.com/office/drawing/2016/SVG/main" r:embed="rId2"/>
               </a:ext>
             </a:extLst>
           </a:blip>
@@ -1436,7 +1408,7 @@
         </a:bodyPr>
         <a:lstStyle/>
         <a:p>
-          <a:pPr lvl="0" algn="ctr" defTabSz="1600200" rtl="0">
+          <a:pPr marL="0" lvl="0" indent="0" algn="ctr" defTabSz="1600200" rtl="0">
             <a:lnSpc>
               <a:spcPct val="100000"/>
             </a:lnSpc>
@@ -1446,6 +1418,7 @@
             <a:spcAft>
               <a:spcPct val="35000"/>
             </a:spcAft>
+            <a:buNone/>
             <a:defRPr cap="all"/>
           </a:pPr>
           <a:r>
@@ -1461,7 +1434,7 @@
           </a:endParaRPr>
         </a:p>
         <a:p>
-          <a:pPr lvl="0" algn="ctr" defTabSz="1600200" rtl="0">
+          <a:pPr marL="0" lvl="0" indent="0" algn="ctr" defTabSz="1600200" rtl="0">
             <a:lnSpc>
               <a:spcPct val="100000"/>
             </a:lnSpc>
@@ -1471,6 +1444,7 @@
             <a:spcAft>
               <a:spcPct val="35000"/>
             </a:spcAft>
+            <a:buNone/>
             <a:defRPr cap="all"/>
           </a:pPr>
           <a:endParaRPr lang="en-US" altLang="zh-TW" sz="3600" kern="1200" cap="all" noProof="0" dirty="0">
@@ -1543,7 +1517,7 @@
                 <a14:useLocalDpi xmlns:a14="http://schemas.microsoft.com/office/drawing/2010/main" val="0"/>
               </a:ext>
               <a:ext uri="{96DAC541-7B7A-43D3-8B79-37D633B846F1}">
-                <asvg:svgBlip xmlns="" xmlns:asvg="http://schemas.microsoft.com/office/drawing/2016/SVG/main" r:embed="rId4"/>
+                <asvg:svgBlip xmlns:asvg="http://schemas.microsoft.com/office/drawing/2016/SVG/main" r:embed="rId4"/>
               </a:ext>
             </a:extLst>
           </a:blip>
@@ -1618,7 +1592,7 @@
         </a:bodyPr>
         <a:lstStyle/>
         <a:p>
-          <a:pPr lvl="0" algn="ctr" defTabSz="1600200" rtl="0">
+          <a:pPr marL="0" lvl="0" indent="0" algn="ctr" defTabSz="1600200" rtl="0">
             <a:lnSpc>
               <a:spcPct val="100000"/>
             </a:lnSpc>
@@ -1628,6 +1602,7 @@
             <a:spcAft>
               <a:spcPct val="35000"/>
             </a:spcAft>
+            <a:buNone/>
             <a:defRPr cap="all"/>
           </a:pPr>
           <a:r>
@@ -1707,7 +1682,7 @@
                 <a14:useLocalDpi xmlns:a14="http://schemas.microsoft.com/office/drawing/2010/main" val="0"/>
               </a:ext>
               <a:ext uri="{96DAC541-7B7A-43D3-8B79-37D633B846F1}">
-                <asvg:svgBlip xmlns="" xmlns:asvg="http://schemas.microsoft.com/office/drawing/2016/SVG/main" r:embed="rId6"/>
+                <asvg:svgBlip xmlns:asvg="http://schemas.microsoft.com/office/drawing/2016/SVG/main" r:embed="rId6"/>
               </a:ext>
             </a:extLst>
           </a:blip>
@@ -1782,7 +1757,7 @@
         </a:bodyPr>
         <a:lstStyle/>
         <a:p>
-          <a:pPr lvl="0" algn="ctr" defTabSz="1778000" rtl="0">
+          <a:pPr marL="0" lvl="0" indent="0" algn="ctr" defTabSz="1778000" rtl="0">
             <a:lnSpc>
               <a:spcPct val="100000"/>
             </a:lnSpc>
@@ -1792,6 +1767,7 @@
             <a:spcAft>
               <a:spcPct val="35000"/>
             </a:spcAft>
+            <a:buNone/>
             <a:defRPr cap="all"/>
           </a:pPr>
           <a:r>
@@ -2018,7 +1994,7 @@
   </dgm:layoutNode>
   <dgm:extLst>
     <a:ext uri="{68A01E43-0DF5-4B5B-8FA6-DAF915123BFB}">
-      <dgm1612:lstStyle xmlns="" xmlns:dgm1612="http://schemas.microsoft.com/office/drawing/2016/12/diagram">
+      <dgm1612:lstStyle xmlns:dgm1612="http://schemas.microsoft.com/office/drawing/2016/12/diagram">
         <a:lvl1pPr>
           <a:lnSpc>
             <a:spcPct val="100000"/>
@@ -3155,7 +3131,7 @@
                 <a:latin typeface="Microsoft JhengHei UI" panose="020B0604030504040204" pitchFamily="34" charset="-120"/>
                 <a:ea typeface="Microsoft JhengHei UI" panose="020B0604030504040204" pitchFamily="34" charset="-120"/>
               </a:rPr>
-              <a:t>2020/1/8</a:t>
+              <a:t>2020/1/15</a:t>
             </a:fld>
             <a:endParaRPr lang="zh-TW" altLang="en-US" dirty="0">
               <a:latin typeface="Microsoft JhengHei UI" panose="020B0604030504040204" pitchFamily="34" charset="-120"/>
@@ -3341,7 +3317,7 @@
           <a:p>
             <a:fld id="{A818C5E9-5966-460E-861F-1663B2AAAED6}" type="datetime1">
               <a:rPr lang="zh-TW" altLang="en-US" noProof="0" smtClean="0"/>
-              <a:t>2020/1/8</a:t>
+              <a:t>2020/1/15</a:t>
             </a:fld>
             <a:endParaRPr lang="zh-TW" altLang="en-US" noProof="0" dirty="0"/>
           </a:p>
@@ -13028,7 +13004,7 @@
             <a:pPr rtl="0"/>
             <a:fld id="{1EE05C45-8EB5-41B2-9B41-7B2BD9B7DEEC}" type="datetime1">
               <a:rPr lang="zh-TW" altLang="en-US" noProof="0" smtClean="0"/>
-              <a:t>2020/1/8</a:t>
+              <a:t>2020/1/15</a:t>
             </a:fld>
             <a:endParaRPr lang="zh-TW" altLang="en-US" noProof="0" dirty="0"/>
           </a:p>
@@ -13234,7 +13210,7 @@
             <a:pPr rtl="0"/>
             <a:fld id="{F17D0BD1-4150-488B-822D-FAA2ED87235F}" type="datetime1">
               <a:rPr lang="zh-TW" altLang="en-US" noProof="0" smtClean="0"/>
-              <a:t>2020/1/8</a:t>
+              <a:t>2020/1/15</a:t>
             </a:fld>
             <a:endParaRPr lang="zh-TW" altLang="en-US" noProof="0" dirty="0"/>
           </a:p>
@@ -13413,7 +13389,7 @@
             <a:pPr rtl="0"/>
             <a:fld id="{56917129-5C2D-48BD-8F9D-5DD9AA52C80B}" type="datetime1">
               <a:rPr lang="zh-TW" altLang="en-US" noProof="0" smtClean="0"/>
-              <a:t>2020/1/8</a:t>
+              <a:t>2020/1/15</a:t>
             </a:fld>
             <a:endParaRPr lang="zh-TW" altLang="en-US" noProof="0" dirty="0"/>
           </a:p>
@@ -13617,7 +13593,7 @@
             <a:pPr rtl="0"/>
             <a:fld id="{226959E9-D711-4141-BC84-15DB177AD95C}" type="datetime1">
               <a:rPr lang="zh-TW" altLang="en-US" noProof="0" smtClean="0"/>
-              <a:t>2020/1/8</a:t>
+              <a:t>2020/1/15</a:t>
             </a:fld>
             <a:endParaRPr lang="zh-TW" altLang="en-US" noProof="0" dirty="0"/>
           </a:p>
@@ -22514,7 +22490,7 @@
             <a:pPr rtl="0"/>
             <a:fld id="{07A3C890-8623-4A1C-947B-A864EC59C0DD}" type="datetime1">
               <a:rPr lang="zh-TW" altLang="en-US" noProof="0" smtClean="0"/>
-              <a:t>2020/1/8</a:t>
+              <a:t>2020/1/15</a:t>
             </a:fld>
             <a:endParaRPr lang="zh-TW" altLang="en-US" noProof="0" dirty="0"/>
           </a:p>
@@ -22787,7 +22763,7 @@
             <a:pPr rtl="0"/>
             <a:fld id="{D5BE9075-3447-4FD3-8BC9-6412CF8C5B41}" type="datetime1">
               <a:rPr lang="zh-TW" altLang="en-US" noProof="0" smtClean="0"/>
-              <a:t>2020/1/8</a:t>
+              <a:t>2020/1/15</a:t>
             </a:fld>
             <a:endParaRPr lang="zh-TW" altLang="en-US" noProof="0" dirty="0"/>
           </a:p>
@@ -23260,7 +23236,7 @@
           <a:p>
             <a:fld id="{0F9BBEE5-55F8-45A3-AB6C-9C6112BE0C32}" type="datetime1">
               <a:rPr lang="zh-TW" altLang="en-US" noProof="0" smtClean="0"/>
-              <a:t>2020/1/8</a:t>
+              <a:t>2020/1/15</a:t>
             </a:fld>
             <a:endParaRPr lang="zh-TW" altLang="en-US" noProof="0" dirty="0"/>
           </a:p>
@@ -23390,7 +23366,7 @@
             <a:pPr rtl="0"/>
             <a:fld id="{CDEAE714-2E29-46F3-9C77-12416C9543F5}" type="datetime1">
               <a:rPr lang="zh-TW" altLang="en-US" noProof="0" smtClean="0"/>
-              <a:t>2020/1/8</a:t>
+              <a:t>2020/1/15</a:t>
             </a:fld>
             <a:endParaRPr lang="zh-TW" altLang="en-US" noProof="0" dirty="0"/>
           </a:p>
@@ -23483,7 +23459,7 @@
             <a:pPr rtl="0"/>
             <a:fld id="{8C77B25F-C5C5-4940-9B93-C7969EB742CA}" type="datetime1">
               <a:rPr lang="zh-TW" altLang="en-US" noProof="0" smtClean="0"/>
-              <a:t>2020/1/8</a:t>
+              <a:t>2020/1/15</a:t>
             </a:fld>
             <a:endParaRPr lang="zh-TW" altLang="en-US" noProof="0" dirty="0"/>
           </a:p>
@@ -23772,7 +23748,7 @@
             <a:pPr rtl="0"/>
             <a:fld id="{834BDAB7-BD48-40B7-93E5-DE7F01A31190}" type="datetime1">
               <a:rPr lang="zh-TW" altLang="en-US" noProof="0" smtClean="0"/>
-              <a:t>2020/1/8</a:t>
+              <a:t>2020/1/15</a:t>
             </a:fld>
             <a:endParaRPr lang="zh-TW" altLang="en-US" noProof="0" dirty="0"/>
           </a:p>
@@ -24052,7 +24028,7 @@
             <a:pPr rtl="0"/>
             <a:fld id="{00BDDE7C-E999-47D2-A35D-EE2C20E3497B}" type="datetime1">
               <a:rPr lang="zh-TW" altLang="en-US" noProof="0" smtClean="0"/>
-              <a:t>2020/1/8</a:t>
+              <a:t>2020/1/15</a:t>
             </a:fld>
             <a:endParaRPr lang="zh-TW" altLang="en-US" noProof="0" dirty="0"/>
           </a:p>
@@ -24299,7 +24275,7 @@
           <a:p>
             <a:fld id="{D22E2503-8843-448F-B01E-FCD9BA586A1F}" type="datetime1">
               <a:rPr lang="zh-TW" altLang="en-US" noProof="0" smtClean="0"/>
-              <a:t>2020/1/8</a:t>
+              <a:t>2020/1/15</a:t>
             </a:fld>
             <a:endParaRPr lang="zh-TW" altLang="en-US" noProof="0" dirty="0"/>
           </a:p>
@@ -24816,7 +24792,7 @@
                 <a16:creationId xmlns:a16="http://schemas.microsoft.com/office/drawing/2014/main" id="{2FDF0794-1B86-42B2-B8C7-F60123E638ED}"/>
               </a:ext>
               <a:ext uri="{C183D7F6-B498-43B3-948B-1728B52AA6E4}">
-                <adec:decorative xmlns="" xmlns:adec="http://schemas.microsoft.com/office/drawing/2017/decorative" val="1"/>
+                <adec:decorative xmlns:adec="http://schemas.microsoft.com/office/drawing/2017/decorative" val="1"/>
               </a:ext>
             </a:extLst>
           </p:cNvPr>
@@ -24882,7 +24858,7 @@
                 <a16:creationId xmlns:a16="http://schemas.microsoft.com/office/drawing/2014/main" id="{230BD1B1-AA22-48F1-B3ED-579CD284605D}"/>
               </a:ext>
               <a:ext uri="{C183D7F6-B498-43B3-948B-1728B52AA6E4}">
-                <adec:decorative xmlns="" xmlns:adec="http://schemas.microsoft.com/office/drawing/2017/decorative" val="1"/>
+                <adec:decorative xmlns:adec="http://schemas.microsoft.com/office/drawing/2017/decorative" val="1"/>
               </a:ext>
             </a:extLst>
           </p:cNvPr>
@@ -24914,7 +24890,7 @@
                 <a16:creationId xmlns:a16="http://schemas.microsoft.com/office/drawing/2014/main" id="{EAA48FC5-3C83-4F1B-BC33-DF0B588F8317}"/>
               </a:ext>
               <a:ext uri="{C183D7F6-B498-43B3-948B-1728B52AA6E4}">
-                <adec:decorative xmlns="" xmlns:adec="http://schemas.microsoft.com/office/drawing/2017/decorative" val="1"/>
+                <adec:decorative xmlns:adec="http://schemas.microsoft.com/office/drawing/2017/decorative" val="1"/>
               </a:ext>
             </a:extLst>
           </p:cNvPr>
@@ -25045,7 +25021,7 @@
                 <a16:creationId xmlns:a16="http://schemas.microsoft.com/office/drawing/2014/main" id="{62F01714-1A39-4194-BD47-8A9960C59985}"/>
               </a:ext>
               <a:ext uri="{C183D7F6-B498-43B3-948B-1728B52AA6E4}">
-                <adec:decorative xmlns="" xmlns:adec="http://schemas.microsoft.com/office/drawing/2017/decorative" val="1"/>
+                <adec:decorative xmlns:adec="http://schemas.microsoft.com/office/drawing/2017/decorative" val="1"/>
               </a:ext>
             </a:extLst>
           </p:cNvPr>
@@ -25089,6 +25065,45 @@
           </a:fontRef>
         </p:style>
       </p:cxnSp>
+      <p:sp>
+        <p:nvSpPr>
+          <p:cNvPr id="3" name="文字方塊 2">
+            <a:extLst>
+              <a:ext uri="{FF2B5EF4-FFF2-40B4-BE49-F238E27FC236}">
+                <a16:creationId xmlns:a16="http://schemas.microsoft.com/office/drawing/2014/main" id="{1CE8A1CC-39F5-4AF3-964F-C2C9631B4117}"/>
+              </a:ext>
+            </a:extLst>
+          </p:cNvPr>
+          <p:cNvSpPr txBox="1"/>
+          <p:nvPr/>
+        </p:nvSpPr>
+        <p:spPr>
+          <a:xfrm>
+            <a:off x="4383464" y="4817097"/>
+            <a:ext cx="1819373" cy="707886"/>
+          </a:xfrm>
+          <a:prstGeom prst="rect">
+            <a:avLst/>
+          </a:prstGeom>
+          <a:noFill/>
+        </p:spPr>
+        <p:txBody>
+          <a:bodyPr wrap="square" rtlCol="0">
+            <a:spAutoFit/>
+          </a:bodyPr>
+          <a:lstStyle/>
+          <a:p>
+            <a:r>
+              <a:rPr lang="zh-TW" altLang="en-US" sz="4000" dirty="0">
+                <a:solidFill>
+                  <a:schemeClr val="bg1"/>
+                </a:solidFill>
+              </a:rPr>
+              <a:t>第一組</a:t>
+            </a:r>
+          </a:p>
+        </p:txBody>
+      </p:sp>
     </p:spTree>
     <p:extLst>
       <p:ext uri="{BB962C8B-B14F-4D97-AF65-F5344CB8AC3E}">
@@ -25219,21 +25234,21 @@
               <a:t>的選取</a:t>
             </a:r>
             <a:r>
-              <a:rPr lang="en-US" altLang="zh-TW" dirty="0" smtClean="0"/>
+              <a:rPr lang="en-US" altLang="zh-TW" dirty="0"/>
               <a:t>:</a:t>
             </a:r>
             <a:r>
-              <a:rPr lang="zh-TW" altLang="en-US" dirty="0" smtClean="0"/>
+              <a:rPr lang="zh-TW" altLang="en-US" dirty="0"/>
               <a:t>選擇分幾類</a:t>
             </a:r>
             <a:r>
-              <a:rPr lang="en-US" altLang="zh-TW" dirty="0" smtClean="0">
+              <a:rPr lang="en-US" altLang="zh-TW" dirty="0">
                 <a:sym typeface="Wingdings" panose="05000000000000000000" pitchFamily="2" charset="2"/>
               </a:rPr>
               <a:t></a:t>
             </a:r>
             <a:r>
-              <a:rPr lang="zh-TW" altLang="en-US" dirty="0" smtClean="0">
+              <a:rPr lang="zh-TW" altLang="en-US" dirty="0">
                 <a:sym typeface="Wingdings" panose="05000000000000000000" pitchFamily="2" charset="2"/>
               </a:rPr>
               <a:t>分辨目前狀況後再控制左右不動</a:t>
@@ -25245,37 +25260,37 @@
           </a:p>
           <a:p>
             <a:r>
-              <a:rPr lang="zh-TW" altLang="en-US" dirty="0" smtClean="0"/>
+              <a:rPr lang="zh-TW" altLang="en-US" dirty="0"/>
               <a:t>測試分</a:t>
             </a:r>
             <a:r>
-              <a:rPr lang="en-US" altLang="zh-TW" dirty="0" smtClean="0"/>
+              <a:rPr lang="en-US" altLang="zh-TW" dirty="0"/>
               <a:t>4</a:t>
             </a:r>
             <a:r>
-              <a:rPr lang="zh-TW" altLang="en-US" dirty="0" smtClean="0"/>
+              <a:rPr lang="zh-TW" altLang="en-US" dirty="0"/>
               <a:t>類</a:t>
             </a:r>
             <a:r>
-              <a:rPr lang="en-US" altLang="zh-TW" dirty="0" smtClean="0"/>
+              <a:rPr lang="en-US" altLang="zh-TW" dirty="0"/>
               <a:t>:</a:t>
             </a:r>
           </a:p>
           <a:p>
             <a:r>
-              <a:rPr lang="zh-TW" altLang="en-US" dirty="0" smtClean="0"/>
+              <a:rPr lang="zh-TW" altLang="en-US" dirty="0"/>
               <a:t>只能分出球的行徑方向，只能打到速度</a:t>
             </a:r>
             <a:r>
-              <a:rPr lang="en-US" altLang="zh-TW" dirty="0" smtClean="0"/>
+              <a:rPr lang="en-US" altLang="zh-TW" dirty="0"/>
               <a:t>8</a:t>
             </a:r>
             <a:r>
-              <a:rPr lang="zh-TW" altLang="en-US" dirty="0" smtClean="0"/>
+              <a:rPr lang="zh-TW" altLang="en-US" dirty="0"/>
               <a:t>、</a:t>
             </a:r>
             <a:r>
-              <a:rPr lang="en-US" altLang="zh-TW" dirty="0" smtClean="0"/>
+              <a:rPr lang="en-US" altLang="zh-TW" dirty="0"/>
               <a:t>9</a:t>
             </a:r>
           </a:p>
@@ -25317,19 +25332,14 @@
               <a:t>特徵的選取</a:t>
             </a:r>
             <a:r>
-              <a:rPr lang="en-US" altLang="zh-TW" dirty="0" smtClean="0"/>
+              <a:rPr lang="en-US" altLang="zh-TW" dirty="0"/>
               <a:t>:</a:t>
             </a:r>
-            <a:endParaRPr lang="en-US" altLang="zh-TW" dirty="0"/>
           </a:p>
           <a:p>
             <a:r>
-              <a:rPr lang="zh-TW" altLang="en-US" dirty="0" smtClean="0"/>
-              <a:t>球</a:t>
-            </a:r>
-            <a:r>
               <a:rPr lang="zh-TW" altLang="en-US" dirty="0"/>
-              <a:t>的座標</a:t>
+              <a:t>球的座標</a:t>
             </a:r>
             <a:r>
               <a:rPr lang="en-US" altLang="zh-TW" dirty="0"/>
@@ -25356,26 +25366,17 @@
               <a:t> 球到平板</a:t>
             </a:r>
             <a:r>
-              <a:rPr lang="en-US" altLang="zh-TW" dirty="0" smtClean="0"/>
+              <a:rPr lang="en-US" altLang="zh-TW" dirty="0"/>
               <a:t>X,Y </a:t>
             </a:r>
             <a:r>
-              <a:rPr lang="zh-TW" altLang="en-US" dirty="0" smtClean="0"/>
-              <a:t>球</a:t>
-            </a:r>
-            <a:r>
               <a:rPr lang="zh-TW" altLang="en-US" dirty="0"/>
-              <a:t>到右邊牆壁</a:t>
-            </a:r>
-            <a:r>
-              <a:rPr lang="zh-TW" altLang="en-US" dirty="0" smtClean="0"/>
-              <a:t>距離 </a:t>
-            </a:r>
-            <a:r>
-              <a:rPr lang="en-US" altLang="zh-TW" dirty="0" smtClean="0"/>
+              <a:t>球到右邊牆壁距離 </a:t>
+            </a:r>
+            <a:r>
+              <a:rPr lang="en-US" altLang="zh-TW" dirty="0"/>
               <a:t>VX  VY</a:t>
             </a:r>
-            <a:endParaRPr lang="en-US" altLang="zh-TW" dirty="0"/>
           </a:p>
         </p:txBody>
       </p:sp>
@@ -25432,11 +25433,11 @@
           <a:lstStyle/>
           <a:p>
             <a:r>
-              <a:rPr lang="zh-TW" altLang="en-US" dirty="0" smtClean="0"/>
+              <a:rPr lang="zh-TW" altLang="en-US" dirty="0"/>
               <a:t>球的</a:t>
             </a:r>
             <a:r>
-              <a:rPr lang="en-US" altLang="zh-TW" dirty="0" smtClean="0"/>
+              <a:rPr lang="en-US" altLang="zh-TW" dirty="0"/>
               <a:t>X,Y</a:t>
             </a:r>
             <a:endParaRPr lang="zh-TW" altLang="en-US" dirty="0"/>
@@ -25466,12 +25467,8 @@
           <a:lstStyle/>
           <a:p>
             <a:r>
-              <a:rPr lang="zh-TW" altLang="en-US" dirty="0" smtClean="0"/>
-              <a:t>球和平板的相對位</a:t>
-            </a:r>
-            <a:r>
               <a:rPr lang="zh-TW" altLang="en-US" dirty="0"/>
-              <a:t>置</a:t>
+              <a:t>球和平板的相對位置</a:t>
             </a:r>
           </a:p>
         </p:txBody>
@@ -25499,12 +25496,8 @@
           <a:lstStyle/>
           <a:p>
             <a:r>
-              <a:rPr lang="zh-TW" altLang="en-US" dirty="0" smtClean="0"/>
-              <a:t>球的移動方</a:t>
-            </a:r>
-            <a:r>
               <a:rPr lang="zh-TW" altLang="en-US" dirty="0"/>
-              <a:t>向</a:t>
+              <a:t>球的移動方向</a:t>
             </a:r>
           </a:p>
         </p:txBody>
@@ -25532,48 +25525,48 @@
           <a:lstStyle/>
           <a:p>
             <a:r>
-              <a:rPr lang="zh-TW" altLang="en-US" dirty="0" smtClean="0"/>
+              <a:rPr lang="zh-TW" altLang="en-US" dirty="0"/>
               <a:t>聚類演算法沒有標記，會自動的把特徵相近的點分為一類，</a:t>
             </a:r>
-            <a:endParaRPr lang="en-US" altLang="zh-TW" dirty="0" smtClean="0"/>
+            <a:endParaRPr lang="en-US" altLang="zh-TW" dirty="0"/>
           </a:p>
           <a:p>
             <a:r>
-              <a:rPr lang="zh-TW" altLang="en-US" dirty="0" smtClean="0"/>
+              <a:rPr lang="zh-TW" altLang="en-US" dirty="0"/>
               <a:t>套用在乒乓球內主導分類的明顯是</a:t>
             </a:r>
             <a:r>
-              <a:rPr lang="en-US" altLang="zh-TW" dirty="0" smtClean="0"/>
+              <a:rPr lang="en-US" altLang="zh-TW" dirty="0"/>
               <a:t>VX</a:t>
             </a:r>
             <a:r>
-              <a:rPr lang="zh-TW" altLang="en-US" dirty="0" smtClean="0"/>
+              <a:rPr lang="zh-TW" altLang="en-US" dirty="0"/>
               <a:t>及</a:t>
             </a:r>
             <a:r>
-              <a:rPr lang="en-US" altLang="zh-TW" dirty="0" smtClean="0"/>
+              <a:rPr lang="en-US" altLang="zh-TW" dirty="0"/>
               <a:t>VY(</a:t>
             </a:r>
             <a:r>
-              <a:rPr lang="zh-TW" altLang="en-US" dirty="0" smtClean="0"/>
+              <a:rPr lang="zh-TW" altLang="en-US" dirty="0"/>
               <a:t>正規化情況下</a:t>
             </a:r>
             <a:r>
-              <a:rPr lang="en-US" altLang="zh-TW" dirty="0" smtClean="0"/>
+              <a:rPr lang="en-US" altLang="zh-TW" dirty="0"/>
               <a:t>)</a:t>
             </a:r>
             <a:r>
-              <a:rPr lang="zh-TW" altLang="en-US" dirty="0" smtClean="0"/>
+              <a:rPr lang="zh-TW" altLang="en-US" dirty="0"/>
               <a:t>，</a:t>
             </a:r>
-            <a:endParaRPr lang="en-US" altLang="zh-TW" dirty="0" smtClean="0"/>
+            <a:endParaRPr lang="en-US" altLang="zh-TW" dirty="0"/>
           </a:p>
           <a:p>
             <a:r>
-              <a:rPr lang="zh-TW" altLang="en-US" dirty="0" smtClean="0"/>
+              <a:rPr lang="zh-TW" altLang="en-US" dirty="0"/>
               <a:t>若是在這基礎上進行分類，分類主要會在球的移動方向上進行細分。</a:t>
             </a:r>
-            <a:endParaRPr lang="en-US" altLang="zh-TW" dirty="0" smtClean="0"/>
+            <a:endParaRPr lang="en-US" altLang="zh-TW" dirty="0"/>
           </a:p>
         </p:txBody>
       </p:sp>
@@ -25707,21 +25700,21 @@
               <a:t>的選取</a:t>
             </a:r>
             <a:r>
-              <a:rPr lang="en-US" altLang="zh-TW" dirty="0" smtClean="0"/>
+              <a:rPr lang="en-US" altLang="zh-TW" dirty="0"/>
               <a:t>:</a:t>
             </a:r>
             <a:r>
-              <a:rPr lang="zh-TW" altLang="en-US" dirty="0" smtClean="0"/>
+              <a:rPr lang="zh-TW" altLang="en-US" dirty="0"/>
               <a:t>選擇分幾類</a:t>
             </a:r>
             <a:r>
-              <a:rPr lang="en-US" altLang="zh-TW" dirty="0" smtClean="0">
+              <a:rPr lang="en-US" altLang="zh-TW" dirty="0">
                 <a:sym typeface="Wingdings" panose="05000000000000000000" pitchFamily="2" charset="2"/>
               </a:rPr>
               <a:t></a:t>
             </a:r>
             <a:r>
-              <a:rPr lang="zh-TW" altLang="en-US" dirty="0" smtClean="0">
+              <a:rPr lang="zh-TW" altLang="en-US" dirty="0">
                 <a:sym typeface="Wingdings" panose="05000000000000000000" pitchFamily="2" charset="2"/>
               </a:rPr>
               <a:t>分辨目前狀況後再控制左右不動</a:t>
@@ -25737,33 +25730,24 @@
               <a:t>測試分</a:t>
             </a:r>
             <a:r>
-              <a:rPr lang="en-US" altLang="zh-TW" dirty="0" smtClean="0"/>
+              <a:rPr lang="en-US" altLang="zh-TW" dirty="0"/>
               <a:t>16</a:t>
             </a:r>
             <a:r>
-              <a:rPr lang="zh-TW" altLang="en-US" dirty="0" smtClean="0"/>
+              <a:rPr lang="zh-TW" altLang="en-US" dirty="0"/>
               <a:t>類</a:t>
             </a:r>
             <a:r>
-              <a:rPr lang="en-US" altLang="zh-TW" dirty="0" smtClean="0"/>
+              <a:rPr lang="en-US" altLang="zh-TW" dirty="0"/>
               <a:t>:</a:t>
             </a:r>
           </a:p>
           <a:p>
             <a:r>
-              <a:rPr lang="zh-TW" altLang="en-US" dirty="0" smtClean="0"/>
+              <a:rPr lang="zh-TW" altLang="en-US" dirty="0"/>
               <a:t>分出靠上、靠下、靠左、靠右、及球的行徑方向</a:t>
             </a:r>
-            <a:endParaRPr lang="en-US" altLang="zh-TW" dirty="0" smtClean="0"/>
-          </a:p>
-          <a:p>
-            <a:endParaRPr lang="en-US" altLang="zh-TW" dirty="0" smtClean="0"/>
-          </a:p>
-          <a:p>
             <a:endParaRPr lang="en-US" altLang="zh-TW" dirty="0"/>
-          </a:p>
-          <a:p>
-            <a:endParaRPr lang="en-US" altLang="zh-TW" dirty="0" smtClean="0"/>
           </a:p>
           <a:p>
             <a:endParaRPr lang="en-US" altLang="zh-TW" dirty="0"/>
@@ -25772,7 +25756,16 @@
             <a:endParaRPr lang="en-US" altLang="zh-TW" dirty="0"/>
           </a:p>
           <a:p>
-            <a:endParaRPr lang="en-US" altLang="zh-TW" dirty="0" smtClean="0"/>
+            <a:endParaRPr lang="en-US" altLang="zh-TW" dirty="0"/>
+          </a:p>
+          <a:p>
+            <a:endParaRPr lang="en-US" altLang="zh-TW" dirty="0"/>
+          </a:p>
+          <a:p>
+            <a:endParaRPr lang="en-US" altLang="zh-TW" dirty="0"/>
+          </a:p>
+          <a:p>
+            <a:endParaRPr lang="en-US" altLang="zh-TW" dirty="0"/>
           </a:p>
           <a:p>
             <a:endParaRPr lang="en-US" altLang="zh-TW" dirty="0"/>
@@ -25821,12 +25814,8 @@
           </a:p>
           <a:p>
             <a:r>
-              <a:rPr lang="zh-TW" altLang="en-US" dirty="0" smtClean="0"/>
-              <a:t>球</a:t>
-            </a:r>
-            <a:r>
               <a:rPr lang="zh-TW" altLang="en-US" dirty="0"/>
-              <a:t>的座標</a:t>
+              <a:t>球的座標</a:t>
             </a:r>
             <a:r>
               <a:rPr lang="en-US" altLang="zh-TW" dirty="0"/>
@@ -25853,22 +25842,17 @@
               <a:t> 球到平板</a:t>
             </a:r>
             <a:r>
-              <a:rPr lang="en-US" altLang="zh-TW" dirty="0" smtClean="0"/>
+              <a:rPr lang="en-US" altLang="zh-TW" dirty="0"/>
               <a:t>X,Y</a:t>
             </a:r>
             <a:r>
               <a:rPr lang="zh-TW" altLang="en-US" dirty="0"/>
-              <a:t>球到右邊牆壁</a:t>
-            </a:r>
-            <a:r>
-              <a:rPr lang="zh-TW" altLang="en-US" dirty="0" smtClean="0"/>
-              <a:t>距離 </a:t>
-            </a:r>
-            <a:r>
-              <a:rPr lang="en-US" altLang="zh-TW" dirty="0" smtClean="0"/>
+              <a:t>球到右邊牆壁距離 </a:t>
+            </a:r>
+            <a:r>
+              <a:rPr lang="en-US" altLang="zh-TW" dirty="0"/>
               <a:t>VX VY</a:t>
             </a:r>
-            <a:endParaRPr lang="en-US" altLang="zh-TW" dirty="0"/>
           </a:p>
         </p:txBody>
       </p:sp>
@@ -33789,29 +33773,29 @@
           <a:lstStyle/>
           <a:p>
             <a:r>
-              <a:rPr lang="zh-TW" altLang="en-US" dirty="0" smtClean="0"/>
+              <a:rPr lang="zh-TW" altLang="en-US" dirty="0"/>
               <a:t>改選用原理較為簡單的</a:t>
             </a:r>
             <a:r>
-              <a:rPr lang="en-US" altLang="zh-TW" dirty="0" smtClean="0"/>
+              <a:rPr lang="en-US" altLang="zh-TW" dirty="0"/>
               <a:t>KNN</a:t>
             </a:r>
             <a:r>
-              <a:rPr lang="zh-TW" altLang="en-US" dirty="0" smtClean="0"/>
+              <a:rPr lang="zh-TW" altLang="en-US" dirty="0"/>
               <a:t>演算法進行測試</a:t>
             </a:r>
             <a:r>
-              <a:rPr lang="en-US" altLang="zh-TW" dirty="0" smtClean="0"/>
+              <a:rPr lang="en-US" altLang="zh-TW" dirty="0"/>
               <a:t>:</a:t>
             </a:r>
           </a:p>
           <a:p>
             <a:r>
-              <a:rPr lang="zh-TW" altLang="en-US" dirty="0" smtClean="0"/>
+              <a:rPr lang="zh-TW" altLang="en-US" dirty="0"/>
               <a:t>搜尋最近鄰居方法</a:t>
             </a:r>
             <a:r>
-              <a:rPr lang="en-US" altLang="zh-TW" dirty="0" smtClean="0"/>
+              <a:rPr lang="en-US" altLang="zh-TW" dirty="0"/>
               <a:t>:</a:t>
             </a:r>
           </a:p>
@@ -33821,34 +33805,34 @@
               <a:buAutoNum type="arabicPeriod"/>
             </a:pPr>
             <a:r>
-              <a:rPr lang="en-US" altLang="zh-TW" i="1" dirty="0" smtClean="0"/>
+              <a:rPr lang="en-US" altLang="zh-TW" i="1" dirty="0"/>
               <a:t>Brute force</a:t>
             </a:r>
-            <a:endParaRPr lang="en-US" altLang="zh-TW" dirty="0" smtClean="0">
+            <a:endParaRPr lang="en-US" altLang="zh-TW" dirty="0">
               <a:sym typeface="Wingdings" panose="05000000000000000000" pitchFamily="2" charset="2"/>
             </a:endParaRPr>
           </a:p>
           <a:p>
             <a:pPr marL="459486" lvl="1" indent="-285750"/>
             <a:r>
-              <a:rPr lang="zh-TW" altLang="en-US" dirty="0" smtClean="0">
+              <a:rPr lang="zh-TW" altLang="en-US" dirty="0">
                 <a:sym typeface="Wingdings" panose="05000000000000000000" pitchFamily="2" charset="2"/>
               </a:rPr>
               <a:t>簡單，但數據量大以及蒐尋速度需求</a:t>
             </a:r>
             <a:r>
-              <a:rPr lang="en-US" altLang="zh-TW" dirty="0" smtClean="0">
+              <a:rPr lang="en-US" altLang="zh-TW" dirty="0">
                 <a:sym typeface="Wingdings" panose="05000000000000000000" pitchFamily="2" charset="2"/>
               </a:rPr>
               <a:t>(0.33s)</a:t>
             </a:r>
             <a:r>
-              <a:rPr lang="zh-TW" altLang="en-US" dirty="0" smtClean="0">
+              <a:rPr lang="zh-TW" altLang="en-US" dirty="0">
                 <a:sym typeface="Wingdings" panose="05000000000000000000" pitchFamily="2" charset="2"/>
               </a:rPr>
               <a:t> 無法滿足，故無法使用。</a:t>
             </a:r>
-            <a:endParaRPr lang="en-US" altLang="zh-TW" dirty="0" smtClean="0"/>
+            <a:endParaRPr lang="en-US" altLang="zh-TW" dirty="0"/>
           </a:p>
           <a:p>
             <a:pPr marL="457200" indent="-457200">
@@ -33856,66 +33840,66 @@
               <a:buAutoNum type="arabicPeriod"/>
             </a:pPr>
             <a:r>
-              <a:rPr lang="en-US" altLang="zh-TW" dirty="0" smtClean="0"/>
+              <a:rPr lang="en-US" altLang="zh-TW" dirty="0"/>
               <a:t>KD</a:t>
             </a:r>
             <a:r>
-              <a:rPr lang="zh-TW" altLang="en-US" dirty="0" smtClean="0"/>
+              <a:rPr lang="zh-TW" altLang="en-US" dirty="0"/>
               <a:t> </a:t>
             </a:r>
             <a:r>
-              <a:rPr lang="en-US" altLang="zh-TW" dirty="0" smtClean="0"/>
+              <a:rPr lang="en-US" altLang="zh-TW" dirty="0"/>
               <a:t>Tree</a:t>
             </a:r>
-            <a:endParaRPr lang="en-US" altLang="zh-TW" dirty="0" smtClean="0">
+            <a:endParaRPr lang="en-US" altLang="zh-TW" dirty="0">
               <a:sym typeface="Wingdings" panose="05000000000000000000" pitchFamily="2" charset="2"/>
             </a:endParaRPr>
           </a:p>
           <a:p>
             <a:pPr marL="459486" lvl="1" indent="-285750"/>
             <a:r>
-              <a:rPr lang="zh-TW" altLang="en-US" dirty="0" smtClean="0">
+              <a:rPr lang="zh-TW" altLang="en-US" dirty="0">
                 <a:sym typeface="Wingdings" panose="05000000000000000000" pitchFamily="2" charset="2"/>
               </a:rPr>
               <a:t>二元樹搜尋，速度有效提升</a:t>
             </a:r>
             <a:r>
-              <a:rPr lang="en-US" altLang="zh-TW" dirty="0" smtClean="0">
+              <a:rPr lang="en-US" altLang="zh-TW" dirty="0">
                 <a:sym typeface="Wingdings" panose="05000000000000000000" pitchFamily="2" charset="2"/>
               </a:rPr>
               <a:t>(</a:t>
             </a:r>
             <a:r>
-              <a:rPr lang="zh-TW" altLang="en-US" dirty="0" smtClean="0">
+              <a:rPr lang="zh-TW" altLang="en-US" dirty="0">
                 <a:sym typeface="Wingdings" panose="05000000000000000000" pitchFamily="2" charset="2"/>
               </a:rPr>
               <a:t>在維度</a:t>
             </a:r>
             <a:r>
-              <a:rPr lang="en-US" altLang="zh-TW" dirty="0" smtClean="0">
+              <a:rPr lang="en-US" altLang="zh-TW" dirty="0">
                 <a:sym typeface="Wingdings" panose="05000000000000000000" pitchFamily="2" charset="2"/>
               </a:rPr>
               <a:t>20</a:t>
             </a:r>
             <a:r>
-              <a:rPr lang="zh-TW" altLang="en-US" dirty="0" smtClean="0">
+              <a:rPr lang="zh-TW" altLang="en-US" dirty="0">
                 <a:sym typeface="Wingdings" panose="05000000000000000000" pitchFamily="2" charset="2"/>
               </a:rPr>
               <a:t>以下效果佳</a:t>
             </a:r>
             <a:r>
-              <a:rPr lang="en-US" altLang="zh-TW" dirty="0" smtClean="0">
+              <a:rPr lang="en-US" altLang="zh-TW" dirty="0">
                 <a:sym typeface="Wingdings" panose="05000000000000000000" pitchFamily="2" charset="2"/>
               </a:rPr>
               <a:t>)</a:t>
             </a:r>
             <a:r>
-              <a:rPr lang="zh-TW" altLang="en-US" dirty="0" smtClean="0">
+              <a:rPr lang="zh-TW" altLang="en-US" dirty="0">
                 <a:sym typeface="Wingdings" panose="05000000000000000000" pitchFamily="2" charset="2"/>
               </a:rPr>
               <a:t>，但在訓練樣本提升後速度仍無法完全滿足需求。</a:t>
             </a:r>
-            <a:endParaRPr lang="en-US" altLang="zh-TW" dirty="0" smtClean="0"/>
+            <a:endParaRPr lang="en-US" altLang="zh-TW" dirty="0"/>
           </a:p>
           <a:p>
             <a:pPr marL="457200" indent="-457200">
@@ -33923,7 +33907,7 @@
               <a:buAutoNum type="arabicPeriod"/>
             </a:pPr>
             <a:r>
-              <a:rPr lang="en-US" altLang="zh-TW" dirty="0" smtClean="0"/>
+              <a:rPr lang="en-US" altLang="zh-TW" dirty="0"/>
               <a:t>Ball TREE</a:t>
             </a:r>
           </a:p>
@@ -33934,79 +33918,59 @@
               <a:t>ball tree </a:t>
             </a:r>
             <a:r>
-              <a:rPr lang="zh-CN" altLang="en-US" dirty="0" smtClean="0"/>
+              <a:rPr lang="zh-CN" altLang="en-US" dirty="0"/>
               <a:t>是</a:t>
             </a:r>
             <a:r>
-              <a:rPr lang="zh-TW" altLang="en-US" dirty="0" smtClean="0"/>
-              <a:t>為</a:t>
-            </a:r>
-            <a:r>
               <a:rPr lang="zh-TW" altLang="en-US" dirty="0"/>
-              <a:t>了</a:t>
-            </a:r>
-            <a:r>
-              <a:rPr lang="zh-CN" altLang="en-US" dirty="0" smtClean="0"/>
+              <a:t>為了</a:t>
+            </a:r>
+            <a:r>
+              <a:rPr lang="zh-CN" altLang="en-US" dirty="0"/>
               <a:t>克服</a:t>
             </a:r>
             <a:r>
-              <a:rPr lang="en-US" altLang="zh-CN" dirty="0" smtClean="0"/>
+              <a:rPr lang="en-US" altLang="zh-CN" dirty="0"/>
               <a:t>KD</a:t>
             </a:r>
             <a:r>
-              <a:rPr lang="zh-TW" altLang="en-US" dirty="0" smtClean="0"/>
+              <a:rPr lang="zh-TW" altLang="en-US" dirty="0"/>
               <a:t>樹高維度時</a:t>
             </a:r>
             <a:r>
-              <a:rPr lang="zh-CN" altLang="en-US" dirty="0" smtClean="0"/>
+              <a:rPr lang="zh-CN" altLang="en-US" dirty="0"/>
               <a:t>失效而</a:t>
             </a:r>
             <a:r>
-              <a:rPr lang="zh-TW" altLang="en-US" dirty="0" smtClean="0"/>
-              <a:t>發</a:t>
-            </a:r>
-            <a:r>
               <a:rPr lang="zh-TW" altLang="en-US" dirty="0"/>
-              <a:t>明</a:t>
-            </a:r>
-            <a:r>
-              <a:rPr lang="zh-CN" altLang="en-US" dirty="0" smtClean="0"/>
-              <a:t>的</a:t>
+              <a:t>發明</a:t>
             </a:r>
             <a:r>
               <a:rPr lang="zh-CN" altLang="en-US" dirty="0"/>
-              <a:t>，</a:t>
-            </a:r>
-            <a:r>
-              <a:rPr lang="zh-CN" altLang="en-US" dirty="0" smtClean="0"/>
-              <a:t>其</a:t>
-            </a:r>
-            <a:r>
-              <a:rPr lang="zh-TW" altLang="en-US" dirty="0" smtClean="0"/>
+              <a:t>的，其</a:t>
+            </a:r>
+            <a:r>
+              <a:rPr lang="zh-TW" altLang="en-US" dirty="0"/>
               <a:t>構造</a:t>
             </a:r>
             <a:r>
-              <a:rPr lang="zh-CN" altLang="en-US" dirty="0" smtClean="0"/>
+              <a:rPr lang="zh-CN" altLang="en-US" dirty="0"/>
               <a:t>是以</a:t>
             </a:r>
             <a:r>
-              <a:rPr lang="zh-TW" altLang="en-US" dirty="0" smtClean="0"/>
-              <a:t>中</a:t>
-            </a:r>
-            <a:r>
               <a:rPr lang="zh-TW" altLang="en-US" dirty="0"/>
-              <a:t>心</a:t>
-            </a:r>
-            <a:r>
-              <a:rPr lang="en-US" altLang="zh-CN" dirty="0" smtClean="0"/>
+              <a:t>中心</a:t>
+            </a:r>
+            <a:r>
+              <a:rPr lang="en-US" altLang="zh-CN" dirty="0"/>
               <a:t>C</a:t>
             </a:r>
             <a:r>
-              <a:rPr lang="zh-CN" altLang="en-US" dirty="0" smtClean="0"/>
+              <a:rPr lang="zh-CN" altLang="en-US" dirty="0"/>
               <a:t>和</a:t>
             </a:r>
             <a:r>
-              <a:rPr lang="zh-TW" altLang="en-US" dirty="0" smtClean="0"/>
+              <a:rPr lang="zh-TW" altLang="en-US" dirty="0"/>
               <a:t>半徑</a:t>
             </a:r>
             <a:r>
@@ -34014,58 +33978,49 @@
               <a:t>R</a:t>
             </a:r>
             <a:r>
-              <a:rPr lang="zh-CN" altLang="en-US" dirty="0" smtClean="0"/>
+              <a:rPr lang="zh-CN" altLang="en-US" dirty="0"/>
               <a:t>分割</a:t>
             </a:r>
             <a:r>
-              <a:rPr lang="zh-TW" altLang="en-US" dirty="0" smtClean="0"/>
+              <a:rPr lang="zh-TW" altLang="en-US" dirty="0"/>
               <a:t>樣本空間</a:t>
             </a:r>
             <a:r>
-              <a:rPr lang="zh-CN" altLang="en-US" dirty="0" smtClean="0"/>
+              <a:rPr lang="zh-CN" altLang="en-US" dirty="0"/>
               <a:t>，每个</a:t>
             </a:r>
             <a:r>
-              <a:rPr lang="zh-TW" altLang="en-US" dirty="0" smtClean="0"/>
+              <a:rPr lang="zh-TW" altLang="en-US" dirty="0"/>
               <a:t>節點</a:t>
             </a:r>
             <a:r>
-              <a:rPr lang="zh-CN" altLang="en-US" dirty="0" smtClean="0"/>
-              <a:t>是</a:t>
-            </a:r>
-            <a:r>
               <a:rPr lang="zh-CN" altLang="en-US" dirty="0"/>
-              <a:t>一</a:t>
-            </a:r>
-            <a:r>
-              <a:rPr lang="zh-CN" altLang="en-US" dirty="0" smtClean="0"/>
-              <a:t>个</a:t>
-            </a:r>
-            <a:r>
-              <a:rPr lang="zh-TW" altLang="en-US" dirty="0" smtClean="0"/>
+              <a:t>是一个</a:t>
+            </a:r>
+            <a:r>
+              <a:rPr lang="zh-TW" altLang="en-US" dirty="0"/>
               <a:t>超球體</a:t>
             </a:r>
             <a:r>
-              <a:rPr lang="zh-CN" altLang="en-US" dirty="0" smtClean="0"/>
+              <a:rPr lang="zh-CN" altLang="en-US" dirty="0"/>
               <a:t>。</a:t>
             </a:r>
-            <a:endParaRPr lang="en-US" altLang="zh-CN" dirty="0" smtClean="0"/>
+            <a:endParaRPr lang="en-US" altLang="zh-CN" dirty="0"/>
           </a:p>
           <a:p>
             <a:pPr marL="459486" lvl="1" indent="-285750"/>
             <a:r>
-              <a:rPr lang="zh-TW" altLang="en-US" dirty="0" smtClean="0"/>
+              <a:rPr lang="zh-TW" altLang="en-US" dirty="0"/>
               <a:t>速度提升，但仍有機會無法在</a:t>
             </a:r>
             <a:r>
-              <a:rPr lang="en-US" altLang="zh-TW" dirty="0" smtClean="0"/>
+              <a:rPr lang="en-US" altLang="zh-TW" dirty="0"/>
               <a:t>0.33</a:t>
             </a:r>
             <a:r>
-              <a:rPr lang="zh-TW" altLang="en-US" dirty="0" smtClean="0"/>
+              <a:rPr lang="zh-TW" altLang="en-US" dirty="0"/>
               <a:t>秒內搜尋完成</a:t>
             </a:r>
-            <a:endParaRPr lang="zh-TW" altLang="en-US" dirty="0"/>
           </a:p>
         </p:txBody>
       </p:sp>
@@ -34096,18 +34051,17 @@
           <a:lstStyle/>
           <a:p>
             <a:r>
-              <a:rPr lang="zh-TW" altLang="en-US" dirty="0" smtClean="0"/>
+              <a:rPr lang="zh-TW" altLang="en-US" dirty="0"/>
               <a:t>修正</a:t>
             </a:r>
             <a:r>
-              <a:rPr lang="en-US" altLang="zh-TW" dirty="0" smtClean="0"/>
+              <a:rPr lang="en-US" altLang="zh-TW" dirty="0"/>
               <a:t>-</a:t>
             </a:r>
             <a:r>
-              <a:rPr lang="zh-TW" altLang="en-US" dirty="0" smtClean="0"/>
+              <a:rPr lang="zh-TW" altLang="en-US" dirty="0"/>
               <a:t>更改選用機器學習演算法</a:t>
             </a:r>
-            <a:endParaRPr lang="zh-TW" altLang="en-US" dirty="0"/>
           </a:p>
         </p:txBody>
       </p:sp>
@@ -34157,19 +34111,19 @@
           <a:lstStyle/>
           <a:p>
             <a:r>
-              <a:rPr lang="en-US" altLang="zh-TW" dirty="0" smtClean="0"/>
+              <a:rPr lang="en-US" altLang="zh-TW" dirty="0"/>
               <a:t>Python</a:t>
             </a:r>
             <a:r>
-              <a:rPr lang="zh-TW" altLang="en-US" dirty="0" smtClean="0"/>
+              <a:rPr lang="zh-TW" altLang="en-US" dirty="0"/>
               <a:t>速度提升</a:t>
             </a:r>
             <a:r>
-              <a:rPr lang="en-US" altLang="zh-TW" dirty="0" smtClean="0"/>
+              <a:rPr lang="en-US" altLang="zh-TW" dirty="0"/>
               <a:t>-</a:t>
             </a:r>
             <a:r>
-              <a:rPr lang="en-US" altLang="zh-TW" cap="none" dirty="0" smtClean="0"/>
+              <a:rPr lang="en-US" altLang="zh-TW" cap="none" dirty="0"/>
               <a:t>Numba</a:t>
             </a:r>
             <a:endParaRPr lang="zh-TW" altLang="en-US" cap="none" dirty="0"/>
@@ -34196,28 +34150,24 @@
               <a:buAutoNum type="arabicPeriod"/>
             </a:pPr>
             <a:r>
-              <a:rPr lang="zh-TW" altLang="en-US" dirty="0" smtClean="0"/>
+              <a:rPr lang="zh-TW" altLang="en-US" dirty="0"/>
               <a:t>搜尋最近鄰居時有大量的</a:t>
             </a:r>
             <a:r>
-              <a:rPr lang="en-US" altLang="zh-TW" dirty="0" smtClean="0"/>
+              <a:rPr lang="en-US" altLang="zh-TW" dirty="0"/>
               <a:t>for</a:t>
             </a:r>
             <a:r>
-              <a:rPr lang="zh-TW" altLang="en-US" dirty="0" smtClean="0"/>
+              <a:rPr lang="zh-TW" altLang="en-US" dirty="0"/>
               <a:t>迴圈，而</a:t>
             </a:r>
             <a:r>
-              <a:rPr lang="en-US" altLang="zh-TW" dirty="0" smtClean="0"/>
+              <a:rPr lang="en-US" altLang="zh-TW" dirty="0"/>
               <a:t>python</a:t>
             </a:r>
             <a:r>
-              <a:rPr lang="zh-TW" altLang="en-US" dirty="0" smtClean="0"/>
-              <a:t>可以透過即時</a:t>
-            </a:r>
-            <a:r>
               <a:rPr lang="zh-TW" altLang="en-US" dirty="0"/>
-              <a:t>編譯器（</a:t>
+              <a:t>可以透過即時編譯器（</a:t>
             </a:r>
             <a:r>
               <a:rPr lang="en-US" altLang="zh-TW" dirty="0"/>
@@ -34232,7 +34182,7 @@
               <a:t>Python </a:t>
             </a:r>
             <a:r>
-              <a:rPr lang="zh-TW" altLang="en-US" dirty="0" smtClean="0"/>
+              <a:rPr lang="zh-TW" altLang="en-US" dirty="0"/>
               <a:t>效率較低的 </a:t>
             </a:r>
             <a:r>
@@ -34241,51 +34191,47 @@
             </a:r>
             <a:r>
               <a:rPr lang="zh-TW" altLang="en-US" dirty="0"/>
-              <a:t>迴</a:t>
-            </a:r>
-            <a:r>
-              <a:rPr lang="zh-TW" altLang="en-US" dirty="0" smtClean="0"/>
-              <a:t>圈</a:t>
-            </a:r>
-            <a:endParaRPr lang="en-US" altLang="zh-TW" dirty="0" smtClean="0"/>
+              <a:t>迴圈</a:t>
+            </a:r>
+            <a:endParaRPr lang="en-US" altLang="zh-TW" dirty="0"/>
           </a:p>
           <a:p>
             <a:pPr marL="0" indent="0">
               <a:buNone/>
             </a:pPr>
             <a:r>
-              <a:rPr lang="zh-TW" altLang="en-US" dirty="0" smtClean="0"/>
+              <a:rPr lang="zh-TW" altLang="en-US" dirty="0"/>
               <a:t>效果</a:t>
             </a:r>
             <a:r>
-              <a:rPr lang="en-US" altLang="zh-TW" dirty="0" smtClean="0"/>
+              <a:rPr lang="en-US" altLang="zh-TW" dirty="0"/>
               <a:t>:</a:t>
             </a:r>
             <a:r>
-              <a:rPr lang="zh-TW" altLang="en-US" dirty="0" smtClean="0"/>
+              <a:rPr lang="zh-TW" altLang="en-US" dirty="0"/>
               <a:t>速度大量提升</a:t>
             </a:r>
             <a:r>
-              <a:rPr lang="en-US" altLang="zh-TW" dirty="0" smtClean="0"/>
+              <a:rPr lang="en-US" altLang="zh-TW" dirty="0"/>
               <a:t>(</a:t>
             </a:r>
             <a:r>
-              <a:rPr lang="en-US" altLang="zh-TW" dirty="0" err="1" smtClean="0"/>
+              <a:rPr lang="en-US" altLang="zh-TW" dirty="0" err="1"/>
               <a:t>cpu</a:t>
             </a:r>
             <a:r>
-              <a:rPr lang="zh-TW" altLang="en-US" dirty="0" smtClean="0"/>
+              <a:rPr lang="zh-TW" altLang="en-US" dirty="0"/>
               <a:t>跑到</a:t>
             </a:r>
             <a:r>
-              <a:rPr lang="en-US" altLang="zh-TW" dirty="0" smtClean="0"/>
+              <a:rPr lang="en-US" altLang="zh-TW" dirty="0"/>
               <a:t>95%)</a:t>
             </a:r>
             <a:r>
-              <a:rPr lang="zh-TW" altLang="en-US" dirty="0" smtClean="0"/>
+              <a:rPr lang="zh-TW" altLang="en-US" dirty="0"/>
               <a:t>，符合需求</a:t>
             </a:r>
-            <a:endParaRPr lang="en-US" altLang="zh-TW" dirty="0" smtClean="0"/>
+            <a:endParaRPr lang="en-US" altLang="zh-TW" dirty="0"/>
           </a:p>
           <a:p>
             <a:pPr marL="813816" lvl="2" indent="-457200">
@@ -35550,16 +35496,12 @@
           <a:lstStyle/>
           <a:p>
             <a:r>
-              <a:rPr lang="en-US" altLang="zh-TW" dirty="0" smtClean="0"/>
+              <a:rPr lang="en-US" altLang="zh-TW" dirty="0"/>
               <a:t>KNN-</a:t>
             </a:r>
             <a:r>
-              <a:rPr lang="en-US" altLang="zh-TW" dirty="0" err="1" smtClean="0"/>
-              <a:t>BallTree</a:t>
-            </a:r>
-            <a:r>
-              <a:rPr lang="en-US" altLang="zh-TW" dirty="0" err="1" smtClean="0"/>
-              <a:t>.sav</a:t>
+              <a:rPr lang="en-US" altLang="zh-TW" dirty="0" err="1"/>
+              <a:t>BallTree.sav</a:t>
             </a:r>
             <a:endParaRPr lang="zh-TW" altLang="en-US" dirty="0"/>
           </a:p>
@@ -35706,15 +35648,15 @@
           <a:p>
             <a:pPr algn="ctr"/>
             <a:r>
-              <a:rPr lang="en-US" altLang="zh-TW" sz="1400" dirty="0" smtClean="0"/>
+              <a:rPr lang="en-US" altLang="zh-TW" sz="1400" dirty="0"/>
               <a:t>(KNN-</a:t>
             </a:r>
             <a:r>
-              <a:rPr lang="en-US" altLang="zh-TW" sz="1400" dirty="0" err="1" smtClean="0"/>
+              <a:rPr lang="en-US" altLang="zh-TW" sz="1400" dirty="0" err="1"/>
               <a:t>BallTree</a:t>
             </a:r>
             <a:r>
-              <a:rPr lang="en-US" altLang="zh-TW" sz="1400" dirty="0" smtClean="0"/>
+              <a:rPr lang="en-US" altLang="zh-TW" sz="1400" dirty="0"/>
               <a:t>)</a:t>
             </a:r>
             <a:endParaRPr lang="zh-TW" altLang="en-US" sz="1400" dirty="0"/>
@@ -37011,11 +36953,7 @@
             </a:r>
             <a:r>
               <a:rPr lang="en-US" altLang="zh-TW" dirty="0"/>
-              <a:t>.</a:t>
-            </a:r>
-            <a:r>
-              <a:rPr lang="en-US" altLang="zh-TW" dirty="0" err="1"/>
-              <a:t>sav</a:t>
+              <a:t>.sav</a:t>
             </a:r>
             <a:endParaRPr lang="zh-TW" altLang="en-US" dirty="0"/>
           </a:p>
@@ -38322,10 +38260,16 @@
           <a:p>
             <a:pPr algn="ctr"/>
             <a:r>
-              <a:rPr lang="en-US" altLang="zh-TW" sz="1400" dirty="0" err="1"/>
-              <a:t>FCM.sav</a:t>
-            </a:r>
-            <a:endParaRPr lang="en-US" altLang="zh-TW" sz="1400" dirty="0"/>
+              <a:rPr lang="en-US" altLang="zh-TW" sz="1400" dirty="0"/>
+              <a:t>BallTree</a:t>
+            </a:r>
+          </a:p>
+          <a:p>
+            <a:pPr algn="ctr"/>
+            <a:r>
+              <a:rPr lang="en-US" altLang="zh-TW" sz="1400" dirty="0"/>
+              <a:t>.sav</a:t>
+            </a:r>
           </a:p>
         </p:txBody>
       </p:sp>
@@ -38612,7 +38556,7 @@
             <a:pPr algn="ctr"/>
             <a:r>
               <a:rPr lang="en-US" altLang="zh-TW" dirty="0" err="1"/>
-              <a:t>FCM.sav</a:t>
+              <a:t>BallTree.sav</a:t>
             </a:r>
             <a:r>
               <a:rPr lang="en-US" altLang="zh-TW" dirty="0"/>
@@ -43507,6 +43451,23 @@
 </file>
 
 <file path=customXml/item1.xml><?xml version="1.0" encoding="utf-8"?>
+<?mso-contentType ?>
+<FormTemplates xmlns="http://schemas.microsoft.com/sharepoint/v3/contenttype/forms">
+  <Display>DocumentLibraryForm</Display>
+  <Edit>DocumentLibraryForm</Edit>
+  <New>DocumentLibraryForm</New>
+</FormTemplates>
+</file>
+
+<file path=customXml/item2.xml><?xml version="1.0" encoding="utf-8"?>
+<p:properties xmlns:p="http://schemas.microsoft.com/office/2006/metadata/properties" xmlns:xsi="http://www.w3.org/2001/XMLSchema-instance" xmlns:pc="http://schemas.microsoft.com/office/infopath/2007/PartnerControls">
+  <documentManagement>
+    <MediaServiceKeyPoints xmlns="71af3243-3dd4-4a8d-8c0d-dd76da1f02a5" xsi:nil="true"/>
+  </documentManagement>
+</p:properties>
+</file>
+
+<file path=customXml/item3.xml><?xml version="1.0" encoding="utf-8"?>
 <ct:contentTypeSchema xmlns:ct="http://schemas.microsoft.com/office/2006/metadata/contentType" xmlns:ma="http://schemas.microsoft.com/office/2006/metadata/properties/metaAttributes" ct:_="" ma:_="" ma:contentTypeName="Document" ma:contentTypeID="0x01010079F111ED35F8CC479449609E8A0923A6" ma:contentTypeVersion="11" ma:contentTypeDescription="Create a new document." ma:contentTypeScope="" ma:versionID="9677210f24a1be23c92c90fd886aa0aa">
   <xsd:schema xmlns:xsd="http://www.w3.org/2001/XMLSchema" xmlns:xs="http://www.w3.org/2001/XMLSchema" xmlns:p="http://schemas.microsoft.com/office/2006/metadata/properties" xmlns:ns2="71af3243-3dd4-4a8d-8c0d-dd76da1f02a5" xmlns:ns3="16c05727-aa75-4e4a-9b5f-8a80a1165891" targetNamespace="http://schemas.microsoft.com/office/2006/metadata/properties" ma:root="true" ma:fieldsID="60e05723c5c1908df1a1a4ebf11d344e" ns2:_="" ns3:_="">
     <xsd:import namespace="71af3243-3dd4-4a8d-8c0d-dd76da1f02a5"/>
@@ -43717,24 +43678,25 @@
 </ct:contentTypeSchema>
 </file>
 
-<file path=customXml/item2.xml><?xml version="1.0" encoding="utf-8"?>
-<?mso-contentType ?>
-<FormTemplates xmlns="http://schemas.microsoft.com/sharepoint/v3/contenttype/forms">
-  <Display>DocumentLibraryForm</Display>
-  <Edit>DocumentLibraryForm</Edit>
-  <New>DocumentLibraryForm</New>
-</FormTemplates>
+<file path=customXml/itemProps1.xml><?xml version="1.0" encoding="utf-8"?>
+<ds:datastoreItem xmlns:ds="http://schemas.openxmlformats.org/officeDocument/2006/customXml" ds:itemID="{4F44C90D-2A62-4985-9618-3460247437B1}">
+  <ds:schemaRefs>
+    <ds:schemaRef ds:uri="http://schemas.microsoft.com/sharepoint/v3/contenttype/forms"/>
+  </ds:schemaRefs>
+</ds:datastoreItem>
 </file>
 
-<file path=customXml/item3.xml><?xml version="1.0" encoding="utf-8"?>
-<p:properties xmlns:p="http://schemas.microsoft.com/office/2006/metadata/properties" xmlns:xsi="http://www.w3.org/2001/XMLSchema-instance" xmlns:pc="http://schemas.microsoft.com/office/infopath/2007/PartnerControls">
-  <documentManagement>
-    <MediaServiceKeyPoints xmlns="71af3243-3dd4-4a8d-8c0d-dd76da1f02a5" xsi:nil="true"/>
-  </documentManagement>
-</p:properties>
+<file path=customXml/itemProps2.xml><?xml version="1.0" encoding="utf-8"?>
+<ds:datastoreItem xmlns:ds="http://schemas.openxmlformats.org/officeDocument/2006/customXml" ds:itemID="{788A2F88-55C5-4ED1-9541-807C65424763}">
+  <ds:schemaRefs>
+    <ds:schemaRef ds:uri="http://schemas.microsoft.com/office/2006/metadata/properties"/>
+    <ds:schemaRef ds:uri="http://schemas.microsoft.com/office/infopath/2007/PartnerControls"/>
+    <ds:schemaRef ds:uri="71af3243-3dd4-4a8d-8c0d-dd76da1f02a5"/>
+  </ds:schemaRefs>
+</ds:datastoreItem>
 </file>
 
-<file path=customXml/itemProps1.xml><?xml version="1.0" encoding="utf-8"?>
+<file path=customXml/itemProps3.xml><?xml version="1.0" encoding="utf-8"?>
 <ds:datastoreItem xmlns:ds="http://schemas.openxmlformats.org/officeDocument/2006/customXml" ds:itemID="{B61EAB5F-88FC-4FAE-AE3C-037A3C365EB8}">
   <ds:schemaRefs>
     <ds:schemaRef ds:uri="http://schemas.microsoft.com/office/2006/metadata/contentType"/>
@@ -43751,22 +43713,4 @@
     <ds:schemaRef ds:uri="http://schemas.microsoft.com/internal/obd"/>
   </ds:schemaRefs>
 </ds:datastoreItem>
-</file>
-
-<file path=customXml/itemProps2.xml><?xml version="1.0" encoding="utf-8"?>
-<ds:datastoreItem xmlns:ds="http://schemas.openxmlformats.org/officeDocument/2006/customXml" ds:itemID="{4F44C90D-2A62-4985-9618-3460247437B1}">
-  <ds:schemaRefs>
-    <ds:schemaRef ds:uri="http://schemas.microsoft.com/sharepoint/v3/contenttype/forms"/>
-  </ds:schemaRefs>
-</ds:datastoreItem>
-</file>
-
-<file path=customXml/itemProps3.xml><?xml version="1.0" encoding="utf-8"?>
-<ds:datastoreItem xmlns:ds="http://schemas.openxmlformats.org/officeDocument/2006/customXml" ds:itemID="{788A2F88-55C5-4ED1-9541-807C65424763}">
-  <ds:schemaRefs>
-    <ds:schemaRef ds:uri="http://schemas.microsoft.com/office/2006/metadata/properties"/>
-    <ds:schemaRef ds:uri="http://schemas.microsoft.com/office/infopath/2007/PartnerControls"/>
-    <ds:schemaRef ds:uri="71af3243-3dd4-4a8d-8c0d-dd76da1f02a5"/>
-  </ds:schemaRefs>
-</ds:datastoreItem>
 </file>